--- a/Review_2_AI-Powered Healthcare System for Diabetes Risk Prediction and Lifestyle management Management.pptx
+++ b/Review_2_AI-Powered Healthcare System for Diabetes Risk Prediction and Lifestyle management Management.pptx
@@ -132,152 +132,9 @@
 <file path=ppt/revisionInfo.xml><?xml version="1.0" encoding="utf-8"?>
 <p1510:revInfo xmlns:a="http://schemas.openxmlformats.org/drawingml/2006/main" xmlns:r="http://schemas.openxmlformats.org/officeDocument/2006/relationships" xmlns:p1510="http://schemas.microsoft.com/office/powerpoint/2015/10/main">
   <p1510:revLst>
-    <p1510:client id="{95386743-454A-41C6-B771-14B48E02F236}" v="50" dt="2025-09-30T08:41:44.190"/>
+    <p1510:client id="{95386743-454A-41C6-B771-14B48E02F236}" v="1" dt="2025-09-27T15:12:08.751"/>
   </p1510:revLst>
 </p1510:revInfo>
-</file>
-
-<file path=ppt/changesInfos/changesInfo1.xml><?xml version="1.0" encoding="utf-8"?>
-<pc:chgInfo xmlns:a="http://schemas.openxmlformats.org/drawingml/2006/main" xmlns:r="http://schemas.openxmlformats.org/officeDocument/2006/relationships" xmlns:ac="http://schemas.microsoft.com/office/drawing/2013/main/command" xmlns:pc="http://schemas.microsoft.com/office/powerpoint/2013/main/command">
-  <pc:docChgLst>
-    <pc:chgData name="Nivyasree C" userId="d73504bf-529b-406b-bd4b-281e95f8953a" providerId="ADAL" clId="{1DD16DA2-6E5B-47CD-8143-2444911DCB9F}"/>
-    <pc:docChg chg="undo custSel addSld delSld modSld">
-      <pc:chgData name="Nivyasree C" userId="d73504bf-529b-406b-bd4b-281e95f8953a" providerId="ADAL" clId="{1DD16DA2-6E5B-47CD-8143-2444911DCB9F}" dt="2025-09-30T08:41:44.178" v="167" actId="20577"/>
-      <pc:docMkLst>
-        <pc:docMk/>
-      </pc:docMkLst>
-      <pc:sldChg chg="modSp modAnim">
-        <pc:chgData name="Nivyasree C" userId="d73504bf-529b-406b-bd4b-281e95f8953a" providerId="ADAL" clId="{1DD16DA2-6E5B-47CD-8143-2444911DCB9F}" dt="2025-09-30T08:41:44.178" v="167" actId="20577"/>
-        <pc:sldMkLst>
-          <pc:docMk/>
-          <pc:sldMk cId="3377586287" sldId="2147470487"/>
-        </pc:sldMkLst>
-        <pc:spChg chg="mod">
-          <ac:chgData name="Nivyasree C" userId="d73504bf-529b-406b-bd4b-281e95f8953a" providerId="ADAL" clId="{1DD16DA2-6E5B-47CD-8143-2444911DCB9F}" dt="2025-09-30T08:41:44.178" v="167" actId="20577"/>
-          <ac:spMkLst>
-            <pc:docMk/>
-            <pc:sldMk cId="3377586287" sldId="2147470487"/>
-            <ac:spMk id="2" creationId="{FF24291B-7EDA-4E3D-40F5-03FDC22C3364}"/>
-          </ac:spMkLst>
-        </pc:spChg>
-      </pc:sldChg>
-      <pc:sldChg chg="modSp mod">
-        <pc:chgData name="Nivyasree C" userId="d73504bf-529b-406b-bd4b-281e95f8953a" providerId="ADAL" clId="{1DD16DA2-6E5B-47CD-8143-2444911DCB9F}" dt="2025-09-27T15:11:42.975" v="7" actId="14100"/>
-        <pc:sldMkLst>
-          <pc:docMk/>
-          <pc:sldMk cId="2088180620" sldId="2147470492"/>
-        </pc:sldMkLst>
-        <pc:spChg chg="mod">
-          <ac:chgData name="Nivyasree C" userId="d73504bf-529b-406b-bd4b-281e95f8953a" providerId="ADAL" clId="{1DD16DA2-6E5B-47CD-8143-2444911DCB9F}" dt="2025-09-27T15:11:42.975" v="7" actId="14100"/>
-          <ac:spMkLst>
-            <pc:docMk/>
-            <pc:sldMk cId="2088180620" sldId="2147470492"/>
-            <ac:spMk id="2" creationId="{67726612-73E0-5A94-F635-3A742DD5BA94}"/>
-          </ac:spMkLst>
-        </pc:spChg>
-      </pc:sldChg>
-      <pc:sldChg chg="modSp">
-        <pc:chgData name="Nivyasree C" userId="d73504bf-529b-406b-bd4b-281e95f8953a" providerId="ADAL" clId="{1DD16DA2-6E5B-47CD-8143-2444911DCB9F}" dt="2025-09-30T04:28:06.177" v="54" actId="20577"/>
-        <pc:sldMkLst>
-          <pc:docMk/>
-          <pc:sldMk cId="1547008265" sldId="2147470504"/>
-        </pc:sldMkLst>
-        <pc:spChg chg="mod">
-          <ac:chgData name="Nivyasree C" userId="d73504bf-529b-406b-bd4b-281e95f8953a" providerId="ADAL" clId="{1DD16DA2-6E5B-47CD-8143-2444911DCB9F}" dt="2025-09-30T04:28:06.177" v="54" actId="20577"/>
-          <ac:spMkLst>
-            <pc:docMk/>
-            <pc:sldMk cId="1547008265" sldId="2147470504"/>
-            <ac:spMk id="2" creationId="{14D419F6-DA24-1391-1520-7DE7F63CA452}"/>
-          </ac:spMkLst>
-        </pc:spChg>
-      </pc:sldChg>
-      <pc:sldChg chg="delSp modSp mod">
-        <pc:chgData name="Nivyasree C" userId="d73504bf-529b-406b-bd4b-281e95f8953a" providerId="ADAL" clId="{1DD16DA2-6E5B-47CD-8143-2444911DCB9F}" dt="2025-09-27T15:10:51.301" v="5" actId="21"/>
-        <pc:sldMkLst>
-          <pc:docMk/>
-          <pc:sldMk cId="1391582794" sldId="2147470508"/>
-        </pc:sldMkLst>
-      </pc:sldChg>
-      <pc:sldChg chg="modSp mod">
-        <pc:chgData name="Nivyasree C" userId="d73504bf-529b-406b-bd4b-281e95f8953a" providerId="ADAL" clId="{1DD16DA2-6E5B-47CD-8143-2444911DCB9F}" dt="2025-09-27T15:12:08.750" v="10" actId="113"/>
-        <pc:sldMkLst>
-          <pc:docMk/>
-          <pc:sldMk cId="669607647" sldId="2147470510"/>
-        </pc:sldMkLst>
-        <pc:spChg chg="mod">
-          <ac:chgData name="Nivyasree C" userId="d73504bf-529b-406b-bd4b-281e95f8953a" providerId="ADAL" clId="{1DD16DA2-6E5B-47CD-8143-2444911DCB9F}" dt="2025-09-27T15:12:08.750" v="10" actId="113"/>
-          <ac:spMkLst>
-            <pc:docMk/>
-            <pc:sldMk cId="669607647" sldId="2147470510"/>
-            <ac:spMk id="2" creationId="{3B97FEC1-221D-895E-AF8F-043FDD41FC58}"/>
-          </ac:spMkLst>
-        </pc:spChg>
-        <pc:spChg chg="mod">
-          <ac:chgData name="Nivyasree C" userId="d73504bf-529b-406b-bd4b-281e95f8953a" providerId="ADAL" clId="{1DD16DA2-6E5B-47CD-8143-2444911DCB9F}" dt="2025-09-27T15:12:04.168" v="9" actId="1076"/>
-          <ac:spMkLst>
-            <pc:docMk/>
-            <pc:sldMk cId="669607647" sldId="2147470510"/>
-            <ac:spMk id="7" creationId="{E16D1641-3416-4E5F-ECDC-0CCE7EE614D7}"/>
-          </ac:spMkLst>
-        </pc:spChg>
-      </pc:sldChg>
-      <pc:sldChg chg="addSp delSp modSp add del mod">
-        <pc:chgData name="Nivyasree C" userId="d73504bf-529b-406b-bd4b-281e95f8953a" providerId="ADAL" clId="{1DD16DA2-6E5B-47CD-8143-2444911DCB9F}" dt="2025-09-30T06:31:03.645" v="103" actId="2696"/>
-        <pc:sldMkLst>
-          <pc:docMk/>
-          <pc:sldMk cId="1204670260" sldId="2147470514"/>
-        </pc:sldMkLst>
-        <pc:spChg chg="del mod">
-          <ac:chgData name="Nivyasree C" userId="d73504bf-529b-406b-bd4b-281e95f8953a" providerId="ADAL" clId="{1DD16DA2-6E5B-47CD-8143-2444911DCB9F}" dt="2025-09-30T05:48:22.432" v="90"/>
-          <ac:spMkLst>
-            <pc:docMk/>
-            <pc:sldMk cId="1204670260" sldId="2147470514"/>
-            <ac:spMk id="3" creationId="{F681AA03-5E70-DCDB-2EE9-5507E383D361}"/>
-          </ac:spMkLst>
-        </pc:spChg>
-        <pc:picChg chg="add del mod">
-          <ac:chgData name="Nivyasree C" userId="d73504bf-529b-406b-bd4b-281e95f8953a" providerId="ADAL" clId="{1DD16DA2-6E5B-47CD-8143-2444911DCB9F}" dt="2025-09-30T06:30:58.451" v="102" actId="22"/>
-          <ac:picMkLst>
-            <pc:docMk/>
-            <pc:sldMk cId="1204670260" sldId="2147470514"/>
-            <ac:picMk id="3" creationId="{07C521C8-C77D-4452-6F27-6AE02AC616A5}"/>
-          </ac:picMkLst>
-        </pc:picChg>
-        <pc:picChg chg="del">
-          <ac:chgData name="Nivyasree C" userId="d73504bf-529b-406b-bd4b-281e95f8953a" providerId="ADAL" clId="{1DD16DA2-6E5B-47CD-8143-2444911DCB9F}" dt="2025-09-30T05:26:08.801" v="56" actId="478"/>
-          <ac:picMkLst>
-            <pc:docMk/>
-            <pc:sldMk cId="1204670260" sldId="2147470514"/>
-            <ac:picMk id="7" creationId="{EE1EE4F9-8A45-6883-64A1-CADE8594D0BE}"/>
-          </ac:picMkLst>
-        </pc:picChg>
-      </pc:sldChg>
-      <pc:sldChg chg="addSp delSp modSp add del mod">
-        <pc:chgData name="Nivyasree C" userId="d73504bf-529b-406b-bd4b-281e95f8953a" providerId="ADAL" clId="{1DD16DA2-6E5B-47CD-8143-2444911DCB9F}" dt="2025-09-30T06:40:59.179" v="166"/>
-        <pc:sldMkLst>
-          <pc:docMk/>
-          <pc:sldMk cId="2696594119" sldId="2147470514"/>
-        </pc:sldMkLst>
-        <pc:spChg chg="mod">
-          <ac:chgData name="Nivyasree C" userId="d73504bf-529b-406b-bd4b-281e95f8953a" providerId="ADAL" clId="{1DD16DA2-6E5B-47CD-8143-2444911DCB9F}" dt="2025-09-30T06:40:58.660" v="164" actId="1076"/>
-          <ac:spMkLst>
-            <pc:docMk/>
-            <pc:sldMk cId="2696594119" sldId="2147470514"/>
-            <ac:spMk id="3" creationId="{147D53FD-34DF-2FAC-2C99-A33BEE082A1C}"/>
-          </ac:spMkLst>
-        </pc:spChg>
-        <pc:picChg chg="add del">
-          <ac:chgData name="Nivyasree C" userId="d73504bf-529b-406b-bd4b-281e95f8953a" providerId="ADAL" clId="{1DD16DA2-6E5B-47CD-8143-2444911DCB9F}" dt="2025-09-30T06:40:58.890" v="165" actId="478"/>
-          <ac:picMkLst>
-            <pc:docMk/>
-            <pc:sldMk cId="2696594119" sldId="2147470514"/>
-            <ac:picMk id="7" creationId="{A0EAD402-7715-5D7F-6ABF-2F7A5D9335E9}"/>
-          </ac:picMkLst>
-        </pc:picChg>
-      </pc:sldChg>
-    </pc:docChg>
-  </pc:docChgLst>
-</pc:chgInfo>
 </file>
 
 <file path=ppt/slideLayouts/slideLayout1.xml><?xml version="1.0" encoding="utf-8"?>
@@ -9991,7 +9848,7 @@
                 </a:solidFill>
                 <a:latin typeface="+mn-lt"/>
               </a:rPr>
-              <a:t>Clinical Data Input Module</a:t>
+              <a:t>User Authentication Module</a:t>
             </a:r>
             <a:endParaRPr lang="en-US" b="0" dirty="0">
               <a:solidFill>
@@ -10004,13 +9861,39 @@
             <a:pPr lvl="1"/>
             <a:r>
               <a:rPr lang="en-US" sz="2800" dirty="0"/>
-              <a:t>Form for entering  BMI, blood pressure, age </a:t>
-            </a:r>
-            <a:r>
-              <a:rPr lang="en-US" sz="2800" dirty="0" err="1"/>
-              <a:t>etc</a:t>
-            </a:r>
-            <a:endParaRPr lang="en-US" sz="2800" dirty="0"/>
+              <a:t>Azure AD integration </a:t>
+            </a:r>
+          </a:p>
+          <a:p>
+            <a:pPr lvl="1"/>
+            <a:r>
+              <a:rPr lang="en-US" sz="2800" dirty="0"/>
+              <a:t>Secure login and session management</a:t>
+            </a:r>
+          </a:p>
+          <a:p>
+            <a:r>
+              <a:rPr lang="en-US" dirty="0">
+                <a:solidFill>
+                  <a:schemeClr val="tx1"/>
+                </a:solidFill>
+                <a:latin typeface="+mn-lt"/>
+              </a:rPr>
+              <a:t>Clinical Data Input Module</a:t>
+            </a:r>
+            <a:endParaRPr lang="en-US" b="0" dirty="0">
+              <a:solidFill>
+                <a:schemeClr val="tx1"/>
+              </a:solidFill>
+              <a:latin typeface="+mn-lt"/>
+            </a:endParaRPr>
+          </a:p>
+          <a:p>
+            <a:pPr lvl="1"/>
+            <a:r>
+              <a:rPr lang="en-US" sz="2800" dirty="0"/>
+              <a:t>Form for entering glucose, BMI, blood pressure, age, family history</a:t>
+            </a:r>
           </a:p>
           <a:p>
             <a:pPr lvl="1"/>
@@ -10565,15 +10448,33 @@
                                   </p:childTnLst>
                                 </p:cTn>
                               </p:par>
+                            </p:childTnLst>
+                          </p:cTn>
+                        </p:par>
+                      </p:childTnLst>
+                    </p:cTn>
+                  </p:par>
+                  <p:par>
+                    <p:cTn id="23" fill="hold">
+                      <p:stCondLst>
+                        <p:cond delay="indefinite"/>
+                      </p:stCondLst>
+                      <p:childTnLst>
+                        <p:par>
+                          <p:cTn id="24" fill="hold">
+                            <p:stCondLst>
+                              <p:cond delay="0"/>
+                            </p:stCondLst>
+                            <p:childTnLst>
                               <p:par>
-                                <p:cTn id="23" presetID="1" presetClass="entr" presetSubtype="0" fill="hold" grpId="0" nodeType="withEffect">
+                                <p:cTn id="25" presetID="1" presetClass="entr" presetSubtype="0" fill="hold" grpId="0" nodeType="clickEffect">
                                   <p:stCondLst>
                                     <p:cond delay="0"/>
                                   </p:stCondLst>
                                   <p:childTnLst>
                                     <p:set>
                                       <p:cBhvr>
-                                        <p:cTn id="24" dur="1" fill="hold">
+                                        <p:cTn id="26" dur="1" fill="hold">
                                           <p:stCondLst>
                                             <p:cond delay="0"/>
                                           </p:stCondLst>
@@ -10582,6 +10483,99 @@
                                           <p:spTgt spid="2">
                                             <p:txEl>
                                               <p:pRg st="6" end="6"/>
+                                            </p:txEl>
+                                          </p:spTgt>
+                                        </p:tgtEl>
+                                        <p:attrNameLst>
+                                          <p:attrName>style.visibility</p:attrName>
+                                        </p:attrNameLst>
+                                      </p:cBhvr>
+                                      <p:to>
+                                        <p:strVal val="visible"/>
+                                      </p:to>
+                                    </p:set>
+                                  </p:childTnLst>
+                                </p:cTn>
+                              </p:par>
+                              <p:par>
+                                <p:cTn id="27" presetID="1" presetClass="entr" presetSubtype="0" fill="hold" grpId="0" nodeType="withEffect">
+                                  <p:stCondLst>
+                                    <p:cond delay="0"/>
+                                  </p:stCondLst>
+                                  <p:childTnLst>
+                                    <p:set>
+                                      <p:cBhvr>
+                                        <p:cTn id="28" dur="1" fill="hold">
+                                          <p:stCondLst>
+                                            <p:cond delay="0"/>
+                                          </p:stCondLst>
+                                        </p:cTn>
+                                        <p:tgtEl>
+                                          <p:spTgt spid="2">
+                                            <p:txEl>
+                                              <p:pRg st="7" end="7"/>
+                                            </p:txEl>
+                                          </p:spTgt>
+                                        </p:tgtEl>
+                                        <p:attrNameLst>
+                                          <p:attrName>style.visibility</p:attrName>
+                                        </p:attrNameLst>
+                                      </p:cBhvr>
+                                      <p:to>
+                                        <p:strVal val="visible"/>
+                                      </p:to>
+                                    </p:set>
+                                  </p:childTnLst>
+                                </p:cTn>
+                              </p:par>
+                              <p:par>
+                                <p:cTn id="29" presetID="1" presetClass="entr" presetSubtype="0" fill="hold" grpId="0" nodeType="withEffect">
+                                  <p:stCondLst>
+                                    <p:cond delay="0"/>
+                                  </p:stCondLst>
+                                  <p:childTnLst>
+                                    <p:set>
+                                      <p:cBhvr>
+                                        <p:cTn id="30" dur="1" fill="hold">
+                                          <p:stCondLst>
+                                            <p:cond delay="0"/>
+                                          </p:stCondLst>
+                                        </p:cTn>
+                                        <p:tgtEl>
+                                          <p:spTgt spid="2">
+                                            <p:txEl>
+                                              <p:pRg st="8" end="8"/>
+                                            </p:txEl>
+                                          </p:spTgt>
+                                        </p:tgtEl>
+                                        <p:attrNameLst>
+                                          <p:attrName>style.visibility</p:attrName>
+                                        </p:attrNameLst>
+                                      </p:cBhvr>
+                                      <p:to>
+                                        <p:strVal val="visible"/>
+                                      </p:to>
+                                    </p:set>
+                                  </p:childTnLst>
+                                </p:cTn>
+                              </p:par>
+                              <p:par>
+                                <p:cTn id="31" presetID="1" presetClass="entr" presetSubtype="0" fill="hold" grpId="0" nodeType="withEffect">
+                                  <p:stCondLst>
+                                    <p:cond delay="0"/>
+                                  </p:stCondLst>
+                                  <p:childTnLst>
+                                    <p:set>
+                                      <p:cBhvr>
+                                        <p:cTn id="32" dur="1" fill="hold">
+                                          <p:stCondLst>
+                                            <p:cond delay="0"/>
+                                          </p:stCondLst>
+                                        </p:cTn>
+                                        <p:tgtEl>
+                                          <p:spTgt spid="2">
+                                            <p:txEl>
+                                              <p:pRg st="9" end="9"/>
                                             </p:txEl>
                                           </p:spTgt>
                                         </p:tgtEl>
@@ -13211,7 +13205,7 @@
             <a:pPr lvl="1"/>
             <a:r>
               <a:rPr lang="en-US" sz="2800" dirty="0"/>
-              <a:t>It uses key features like  BMI, and age to classify users into "High," "Moderate," or "Low" diabetes risk categories.</a:t>
+              <a:t>It uses key features like blood glucose, BMI, and age to classify users into "High," "Moderate," or "Low" diabetes risk categories.</a:t>
             </a:r>
           </a:p>
           <a:p>
@@ -14228,15 +14222,15 @@
 <file path=customXml/itemProps3.xml><?xml version="1.0" encoding="utf-8"?>
 <ds:datastoreItem xmlns:ds="http://schemas.openxmlformats.org/officeDocument/2006/customXml" ds:itemID="{23427B8C-AD6A-4A76-B8A6-C6AC56EF7866}">
   <ds:schemaRefs>
+    <ds:schemaRef ds:uri="aeae3c93-8fc4-4a50-a8e8-9710dbe488fa"/>
     <ds:schemaRef ds:uri="http://schemas.microsoft.com/office/2006/metadata/properties"/>
+    <ds:schemaRef ds:uri="http://schemas.microsoft.com/office/infopath/2007/PartnerControls"/>
+    <ds:schemaRef ds:uri="http://purl.org/dc/elements/1.1/"/>
     <ds:schemaRef ds:uri="http://schemas.microsoft.com/office/2006/documentManagement/types"/>
+    <ds:schemaRef ds:uri="http://purl.org/dc/dcmitype/"/>
+    <ds:schemaRef ds:uri="http://schemas.openxmlformats.org/package/2006/metadata/core-properties"/>
+    <ds:schemaRef ds:uri="http://www.w3.org/XML/1998/namespace"/>
     <ds:schemaRef ds:uri="http://purl.org/dc/terms/"/>
-    <ds:schemaRef ds:uri="http://schemas.openxmlformats.org/package/2006/metadata/core-properties"/>
-    <ds:schemaRef ds:uri="http://purl.org/dc/elements/1.1/"/>
-    <ds:schemaRef ds:uri="http://www.w3.org/XML/1998/namespace"/>
-    <ds:schemaRef ds:uri="http://schemas.microsoft.com/office/infopath/2007/PartnerControls"/>
-    <ds:schemaRef ds:uri="aeae3c93-8fc4-4a50-a8e8-9710dbe488fa"/>
-    <ds:schemaRef ds:uri="http://purl.org/dc/dcmitype/"/>
   </ds:schemaRefs>
 </ds:datastoreItem>
 </file>